--- a/GRpcDemos/04Apr2020/Documentation/MicroService_gRPC_Way.pptx
+++ b/GRpcDemos/04Apr2020/Documentation/MicroService_gRPC_Way.pptx
@@ -12,8 +12,8 @@
     <p:sldId id="257" r:id="rId3"/>
     <p:sldId id="270" r:id="rId4"/>
     <p:sldId id="271" r:id="rId5"/>
-    <p:sldId id="272" r:id="rId6"/>
-    <p:sldId id="260" r:id="rId7"/>
+    <p:sldId id="260" r:id="rId6"/>
+    <p:sldId id="272" r:id="rId7"/>
     <p:sldId id="263" r:id="rId8"/>
     <p:sldId id="262" r:id="rId9"/>
     <p:sldId id="267" r:id="rId10"/>
@@ -127,6 +127,18 @@
     </p:ext>
   </p:extLst>
 </p:presentation>
+</file>
+
+<file path=ppt/commentAuthors.xml><?xml version="1.0" encoding="utf-8"?>
+<p:cmAuthorLst xmlns:a="http://schemas.openxmlformats.org/drawingml/2006/main" xmlns:r="http://schemas.openxmlformats.org/officeDocument/2006/relationships" xmlns:p="http://schemas.openxmlformats.org/presentationml/2006/main">
+  <p:cmAuthor id="1" name="Viswanatha-Swamy, PK" initials="VP" lastIdx="1" clrIdx="0">
+    <p:extLst>
+      <p:ext uri="{19B8F6BF-5375-455C-9EA6-DF929625EA0E}">
+        <p15:presenceInfo xmlns:p15="http://schemas.microsoft.com/office/powerpoint/2012/main" userId="S::PK.Viswanatha-Swamy@appliedis.com::be38c112-e525-4f1f-8d24-6a2555e7be90" providerId="AD"/>
+      </p:ext>
+    </p:extLst>
+  </p:cmAuthor>
+</p:cmAuthorLst>
 </file>
 
 <file path=ppt/notesMasters/notesMaster1.xml><?xml version="1.0" encoding="utf-8"?>
@@ -9040,70 +9052,6 @@
       </p:sp>
       <p:sp>
         <p:nvSpPr>
-          <p:cNvPr id="10" name="TextBox 9">
-            <a:extLst>
-              <a:ext uri="{FF2B5EF4-FFF2-40B4-BE49-F238E27FC236}">
-                <a16:creationId xmlns:a16="http://schemas.microsoft.com/office/drawing/2014/main" id="{01677BED-4C67-48F6-8772-07696F9A1F04}"/>
-              </a:ext>
-            </a:extLst>
-          </p:cNvPr>
-          <p:cNvSpPr txBox="1"/>
-          <p:nvPr/>
-        </p:nvSpPr>
-        <p:spPr>
-          <a:xfrm>
-            <a:off x="80629" y="602214"/>
-            <a:ext cx="12037390" cy="770596"/>
-          </a:xfrm>
-          <a:prstGeom prst="rect">
-            <a:avLst/>
-          </a:prstGeom>
-          <a:noFill/>
-        </p:spPr>
-        <p:txBody>
-          <a:bodyPr wrap="square" rtlCol="0">
-            <a:spAutoFit/>
-          </a:bodyPr>
-          <a:lstStyle/>
-          <a:p>
-            <a:pPr marL="171450" indent="-171450">
-              <a:lnSpc>
-                <a:spcPct val="200000"/>
-              </a:lnSpc>
-              <a:buFont typeface="Wingdings" panose="05000000000000000000" pitchFamily="2" charset="2"/>
-              <a:buChar char="Ø"/>
-            </a:pPr>
-            <a:r>
-              <a:rPr lang="en-US" sz="1200" dirty="0">
-                <a:solidFill>
-                  <a:srgbClr val="002060"/>
-                </a:solidFill>
-                <a:latin typeface="Verdana" panose="020B0604030504040204" pitchFamily="34" charset="0"/>
-                <a:ea typeface="Verdana" panose="020B0604030504040204" pitchFamily="34" charset="0"/>
-              </a:rPr>
-              <a:t>To be done</a:t>
-            </a:r>
-          </a:p>
-          <a:p>
-            <a:pPr marL="171450" indent="-171450">
-              <a:lnSpc>
-                <a:spcPct val="200000"/>
-              </a:lnSpc>
-              <a:buFont typeface="Wingdings" panose="05000000000000000000" pitchFamily="2" charset="2"/>
-              <a:buChar char="Ø"/>
-            </a:pPr>
-            <a:endParaRPr lang="en-US" sz="1200" dirty="0">
-              <a:solidFill>
-                <a:srgbClr val="002060"/>
-              </a:solidFill>
-              <a:latin typeface="Verdana" panose="020B0604030504040204" pitchFamily="34" charset="0"/>
-              <a:ea typeface="Verdana" panose="020B0604030504040204" pitchFamily="34" charset="0"/>
-            </a:endParaRPr>
-          </a:p>
-        </p:txBody>
-      </p:sp>
-      <p:sp>
-        <p:nvSpPr>
           <p:cNvPr id="12" name="Footer Placeholder 7">
             <a:extLst>
               <a:ext uri="{FF2B5EF4-FFF2-40B4-BE49-F238E27FC236}">
@@ -9238,6 +9186,41 @@
           </a:p>
         </p:txBody>
       </p:sp>
+      <p:pic>
+        <p:nvPicPr>
+          <p:cNvPr id="2" name="Picture 1">
+            <a:extLst>
+              <a:ext uri="{FF2B5EF4-FFF2-40B4-BE49-F238E27FC236}">
+                <a16:creationId xmlns:a16="http://schemas.microsoft.com/office/drawing/2014/main" id="{AEB4351D-29F8-4D64-82F1-0B2472ECACF4}"/>
+              </a:ext>
+            </a:extLst>
+          </p:cNvPr>
+          <p:cNvPicPr>
+            <a:picLocks noChangeAspect="1"/>
+          </p:cNvPicPr>
+          <p:nvPr/>
+        </p:nvPicPr>
+        <p:blipFill>
+          <a:blip r:embed="rId2"/>
+          <a:stretch>
+            <a:fillRect/>
+          </a:stretch>
+        </p:blipFill>
+        <p:spPr>
+          <a:xfrm>
+            <a:off x="53265" y="568077"/>
+            <a:ext cx="12064754" cy="5735882"/>
+          </a:xfrm>
+          <a:prstGeom prst="rect">
+            <a:avLst/>
+          </a:prstGeom>
+          <a:ln w="12700">
+            <a:solidFill>
+              <a:schemeClr val="accent1"/>
+            </a:solidFill>
+          </a:ln>
+        </p:spPr>
+      </p:pic>
     </p:spTree>
     <p:extLst>
       <p:ext uri="{BB962C8B-B14F-4D97-AF65-F5344CB8AC3E}">
@@ -9846,6 +9829,13 @@
           <a:lstStyle/>
           <a:p>
             <a:pPr algn="ctr"/>
+            <a:r>
+              <a:rPr lang="en-US" b="1" dirty="0">
+                <a:latin typeface="Verdana" panose="020B0604030504040204" pitchFamily="34" charset="0"/>
+                <a:ea typeface="Verdana" panose="020B0604030504040204" pitchFamily="34" charset="0"/>
+              </a:rPr>
+              <a:t>Adding gRPC to existing ASP.Net Core Web API</a:t>
+            </a:r>
             <a:endParaRPr lang="en-IN" b="1" dirty="0">
               <a:latin typeface="Verdana" panose="020B0604030504040204" pitchFamily="34" charset="0"/>
               <a:ea typeface="Verdana" panose="020B0604030504040204" pitchFamily="34" charset="0"/>
@@ -9992,6 +9982,296 @@
       </p:sp>
       <p:sp>
         <p:nvSpPr>
+          <p:cNvPr id="10" name="TextBox 9">
+            <a:extLst>
+              <a:ext uri="{FF2B5EF4-FFF2-40B4-BE49-F238E27FC236}">
+                <a16:creationId xmlns:a16="http://schemas.microsoft.com/office/drawing/2014/main" id="{01677BED-4C67-48F6-8772-07696F9A1F04}"/>
+              </a:ext>
+            </a:extLst>
+          </p:cNvPr>
+          <p:cNvSpPr txBox="1"/>
+          <p:nvPr/>
+        </p:nvSpPr>
+        <p:spPr>
+          <a:xfrm>
+            <a:off x="80629" y="602214"/>
+            <a:ext cx="12037390" cy="3725251"/>
+          </a:xfrm>
+          <a:prstGeom prst="rect">
+            <a:avLst/>
+          </a:prstGeom>
+          <a:noFill/>
+        </p:spPr>
+        <p:txBody>
+          <a:bodyPr wrap="square" rtlCol="0">
+            <a:spAutoFit/>
+          </a:bodyPr>
+          <a:lstStyle/>
+          <a:p>
+            <a:pPr marL="628650" lvl="1" indent="-171450">
+              <a:lnSpc>
+                <a:spcPct val="200000"/>
+              </a:lnSpc>
+              <a:buFont typeface="Wingdings" panose="05000000000000000000" pitchFamily="2" charset="2"/>
+              <a:buChar char="Ø"/>
+            </a:pPr>
+            <a:r>
+              <a:rPr lang="en-US" sz="1200" dirty="0">
+                <a:solidFill>
+                  <a:srgbClr val="002060"/>
+                </a:solidFill>
+                <a:latin typeface="Verdana" panose="020B0604030504040204" pitchFamily="34" charset="0"/>
+                <a:ea typeface="Verdana" panose="020B0604030504040204" pitchFamily="34" charset="0"/>
+              </a:rPr>
+              <a:t>Unary RPC: this is the simplest form of RPC. In this case, the client sends a request message to the server and receives a response.</a:t>
+            </a:r>
+          </a:p>
+          <a:p>
+            <a:pPr marL="628650" lvl="1" indent="-171450">
+              <a:lnSpc>
+                <a:spcPct val="200000"/>
+              </a:lnSpc>
+              <a:buFont typeface="Wingdings" panose="05000000000000000000" pitchFamily="2" charset="2"/>
+              <a:buChar char="Ø"/>
+            </a:pPr>
+            <a:r>
+              <a:rPr lang="en-US" sz="1200" dirty="0">
+                <a:solidFill>
+                  <a:srgbClr val="002060"/>
+                </a:solidFill>
+                <a:latin typeface="Verdana" panose="020B0604030504040204" pitchFamily="34" charset="0"/>
+                <a:ea typeface="Verdana" panose="020B0604030504040204" pitchFamily="34" charset="0"/>
+              </a:rPr>
+              <a:t>Added “</a:t>
+            </a:r>
+            <a:r>
+              <a:rPr lang="en-US" sz="1200" dirty="0" err="1">
+                <a:solidFill>
+                  <a:srgbClr val="002060"/>
+                </a:solidFill>
+                <a:latin typeface="Verdana" panose="020B0604030504040204" pitchFamily="34" charset="0"/>
+                <a:ea typeface="Verdana" panose="020B0604030504040204" pitchFamily="34" charset="0"/>
+              </a:rPr>
+              <a:t>Grpc.AspNetCore</a:t>
+            </a:r>
+            <a:r>
+              <a:rPr lang="en-US" sz="1200" dirty="0">
+                <a:solidFill>
+                  <a:srgbClr val="002060"/>
+                </a:solidFill>
+                <a:latin typeface="Verdana" panose="020B0604030504040204" pitchFamily="34" charset="0"/>
+                <a:ea typeface="Verdana" panose="020B0604030504040204" pitchFamily="34" charset="0"/>
+              </a:rPr>
+              <a:t>” using </a:t>
+            </a:r>
+            <a:r>
+              <a:rPr lang="en-US" sz="1200" dirty="0" err="1">
+                <a:solidFill>
+                  <a:srgbClr val="002060"/>
+                </a:solidFill>
+                <a:latin typeface="Verdana" panose="020B0604030504040204" pitchFamily="34" charset="0"/>
+                <a:ea typeface="Verdana" panose="020B0604030504040204" pitchFamily="34" charset="0"/>
+              </a:rPr>
+              <a:t>Nuget</a:t>
+            </a:r>
+            <a:r>
+              <a:rPr lang="en-US" sz="1200" dirty="0">
+                <a:solidFill>
+                  <a:srgbClr val="002060"/>
+                </a:solidFill>
+                <a:latin typeface="Verdana" panose="020B0604030504040204" pitchFamily="34" charset="0"/>
+                <a:ea typeface="Verdana" panose="020B0604030504040204" pitchFamily="34" charset="0"/>
+              </a:rPr>
+              <a:t> .</a:t>
+            </a:r>
+          </a:p>
+          <a:p>
+            <a:pPr marL="628650" lvl="1" indent="-171450">
+              <a:lnSpc>
+                <a:spcPct val="200000"/>
+              </a:lnSpc>
+              <a:buFont typeface="Wingdings" panose="05000000000000000000" pitchFamily="2" charset="2"/>
+              <a:buChar char="Ø"/>
+            </a:pPr>
+            <a:r>
+              <a:rPr lang="en-US" sz="1200" dirty="0">
+                <a:solidFill>
+                  <a:srgbClr val="002060"/>
+                </a:solidFill>
+                <a:latin typeface="Verdana" panose="020B0604030504040204" pitchFamily="34" charset="0"/>
+                <a:ea typeface="Verdana" panose="020B0604030504040204" pitchFamily="34" charset="0"/>
+              </a:rPr>
+              <a:t>Create the .proto file inside the Protos folder.</a:t>
+            </a:r>
+          </a:p>
+          <a:p>
+            <a:pPr marL="628650" lvl="1" indent="-171450">
+              <a:lnSpc>
+                <a:spcPct val="200000"/>
+              </a:lnSpc>
+              <a:buFont typeface="Wingdings" panose="05000000000000000000" pitchFamily="2" charset="2"/>
+              <a:buChar char="Ø"/>
+            </a:pPr>
+            <a:r>
+              <a:rPr lang="en-US" sz="1200" dirty="0">
+                <a:solidFill>
+                  <a:srgbClr val="002060"/>
+                </a:solidFill>
+                <a:latin typeface="Verdana" panose="020B0604030504040204" pitchFamily="34" charset="0"/>
+                <a:ea typeface="Verdana" panose="020B0604030504040204" pitchFamily="34" charset="0"/>
+              </a:rPr>
+              <a:t>Compile the Project and View the Messages and gRPC Classes automatically created.</a:t>
+            </a:r>
+          </a:p>
+          <a:p>
+            <a:pPr marL="628650" lvl="1" indent="-171450">
+              <a:lnSpc>
+                <a:spcPct val="200000"/>
+              </a:lnSpc>
+              <a:buFont typeface="Wingdings" panose="05000000000000000000" pitchFamily="2" charset="2"/>
+              <a:buChar char="Ø"/>
+            </a:pPr>
+            <a:r>
+              <a:rPr lang="en-US" sz="1200" dirty="0">
+                <a:solidFill>
+                  <a:srgbClr val="002060"/>
+                </a:solidFill>
+                <a:latin typeface="Verdana" panose="020B0604030504040204" pitchFamily="34" charset="0"/>
+                <a:ea typeface="Verdana" panose="020B0604030504040204" pitchFamily="34" charset="0"/>
+              </a:rPr>
+              <a:t>Implement the gRPC Service inside “</a:t>
+            </a:r>
+            <a:r>
+              <a:rPr lang="en-US" sz="1200" dirty="0" err="1">
+                <a:solidFill>
+                  <a:srgbClr val="002060"/>
+                </a:solidFill>
+                <a:latin typeface="Verdana" panose="020B0604030504040204" pitchFamily="34" charset="0"/>
+                <a:ea typeface="Verdana" panose="020B0604030504040204" pitchFamily="34" charset="0"/>
+              </a:rPr>
+              <a:t>RPCServices</a:t>
+            </a:r>
+            <a:r>
+              <a:rPr lang="en-US" sz="1200" dirty="0">
+                <a:solidFill>
+                  <a:srgbClr val="002060"/>
+                </a:solidFill>
+                <a:latin typeface="Verdana" panose="020B0604030504040204" pitchFamily="34" charset="0"/>
+                <a:ea typeface="Verdana" panose="020B0604030504040204" pitchFamily="34" charset="0"/>
+              </a:rPr>
+              <a:t>” folder.</a:t>
+            </a:r>
+          </a:p>
+          <a:p>
+            <a:pPr marL="628650" lvl="1" indent="-171450">
+              <a:lnSpc>
+                <a:spcPct val="200000"/>
+              </a:lnSpc>
+              <a:buFont typeface="Wingdings" panose="05000000000000000000" pitchFamily="2" charset="2"/>
+              <a:buChar char="Ø"/>
+            </a:pPr>
+            <a:r>
+              <a:rPr lang="en-US" sz="1200" dirty="0">
+                <a:solidFill>
+                  <a:srgbClr val="002060"/>
+                </a:solidFill>
+                <a:latin typeface="Verdana" panose="020B0604030504040204" pitchFamily="34" charset="0"/>
+                <a:ea typeface="Verdana" panose="020B0604030504040204" pitchFamily="34" charset="0"/>
+              </a:rPr>
+              <a:t>Add gRPC to Services Container, and Http Request Pipeline in </a:t>
+            </a:r>
+            <a:r>
+              <a:rPr lang="en-US" sz="1200" dirty="0" err="1">
+                <a:solidFill>
+                  <a:srgbClr val="002060"/>
+                </a:solidFill>
+                <a:latin typeface="Verdana" panose="020B0604030504040204" pitchFamily="34" charset="0"/>
+                <a:ea typeface="Verdana" panose="020B0604030504040204" pitchFamily="34" charset="0"/>
+              </a:rPr>
+              <a:t>StartUp.cs</a:t>
+            </a:r>
+            <a:r>
+              <a:rPr lang="en-US" sz="1200" dirty="0">
+                <a:solidFill>
+                  <a:srgbClr val="002060"/>
+                </a:solidFill>
+                <a:latin typeface="Verdana" panose="020B0604030504040204" pitchFamily="34" charset="0"/>
+                <a:ea typeface="Verdana" panose="020B0604030504040204" pitchFamily="34" charset="0"/>
+              </a:rPr>
+              <a:t>.</a:t>
+            </a:r>
+          </a:p>
+          <a:p>
+            <a:pPr marL="628650" lvl="1" indent="-171450">
+              <a:lnSpc>
+                <a:spcPct val="200000"/>
+              </a:lnSpc>
+              <a:buFont typeface="Wingdings" panose="05000000000000000000" pitchFamily="2" charset="2"/>
+              <a:buChar char="Ø"/>
+            </a:pPr>
+            <a:r>
+              <a:rPr lang="en-US" sz="1200" dirty="0">
+                <a:solidFill>
+                  <a:srgbClr val="002060"/>
+                </a:solidFill>
+                <a:latin typeface="Verdana" panose="020B0604030504040204" pitchFamily="34" charset="0"/>
+                <a:ea typeface="Verdana" panose="020B0604030504040204" pitchFamily="34" charset="0"/>
+              </a:rPr>
+              <a:t>Create a gRPC Client and test the gRPC service.</a:t>
+            </a:r>
+          </a:p>
+          <a:p>
+            <a:pPr marL="628650" lvl="1" indent="-171450">
+              <a:lnSpc>
+                <a:spcPct val="200000"/>
+              </a:lnSpc>
+              <a:buFont typeface="Wingdings" panose="05000000000000000000" pitchFamily="2" charset="2"/>
+              <a:buChar char="Ø"/>
+            </a:pPr>
+            <a:endParaRPr lang="en-US" sz="1200" dirty="0">
+              <a:solidFill>
+                <a:srgbClr val="002060"/>
+              </a:solidFill>
+              <a:latin typeface="Verdana" panose="020B0604030504040204" pitchFamily="34" charset="0"/>
+              <a:ea typeface="Verdana" panose="020B0604030504040204" pitchFamily="34" charset="0"/>
+            </a:endParaRPr>
+          </a:p>
+          <a:p>
+            <a:pPr marL="628650" lvl="1" indent="-171450">
+              <a:lnSpc>
+                <a:spcPct val="200000"/>
+              </a:lnSpc>
+              <a:buFont typeface="Wingdings" panose="05000000000000000000" pitchFamily="2" charset="2"/>
+              <a:buChar char="Ø"/>
+            </a:pPr>
+            <a:endParaRPr lang="en-US" sz="1200" dirty="0">
+              <a:solidFill>
+                <a:srgbClr val="002060"/>
+              </a:solidFill>
+              <a:latin typeface="Verdana" panose="020B0604030504040204" pitchFamily="34" charset="0"/>
+              <a:ea typeface="Verdana" panose="020B0604030504040204" pitchFamily="34" charset="0"/>
+            </a:endParaRPr>
+          </a:p>
+          <a:p>
+            <a:pPr marL="171450" indent="-171450">
+              <a:lnSpc>
+                <a:spcPct val="200000"/>
+              </a:lnSpc>
+              <a:buFont typeface="Wingdings" panose="05000000000000000000" pitchFamily="2" charset="2"/>
+              <a:buChar char="Ø"/>
+            </a:pPr>
+            <a:endParaRPr lang="en-US" sz="1200" dirty="0">
+              <a:solidFill>
+                <a:srgbClr val="002060"/>
+              </a:solidFill>
+              <a:latin typeface="Verdana" panose="020B0604030504040204" pitchFamily="34" charset="0"/>
+              <a:ea typeface="Verdana" panose="020B0604030504040204" pitchFamily="34" charset="0"/>
+            </a:endParaRPr>
+          </a:p>
+        </p:txBody>
+      </p:sp>
+      <p:sp>
+        <p:nvSpPr>
           <p:cNvPr id="12" name="Footer Placeholder 7">
             <a:extLst>
               <a:ext uri="{FF2B5EF4-FFF2-40B4-BE49-F238E27FC236}">
@@ -10126,213 +10406,10 @@
           </a:p>
         </p:txBody>
       </p:sp>
-      <p:sp>
-        <p:nvSpPr>
-          <p:cNvPr id="11" name="Rectangle 10">
-            <a:extLst>
-              <a:ext uri="{FF2B5EF4-FFF2-40B4-BE49-F238E27FC236}">
-                <a16:creationId xmlns:a16="http://schemas.microsoft.com/office/drawing/2014/main" id="{F60D9B38-5067-4841-9B4A-CE7786A2CB4A}"/>
-              </a:ext>
-            </a:extLst>
-          </p:cNvPr>
-          <p:cNvSpPr/>
-          <p:nvPr/>
-        </p:nvSpPr>
-        <p:spPr>
-          <a:xfrm>
-            <a:off x="433921" y="588106"/>
-            <a:ext cx="11288668" cy="3020699"/>
-          </a:xfrm>
-          <a:prstGeom prst="rect">
-            <a:avLst/>
-          </a:prstGeom>
-          <a:noFill/>
-        </p:spPr>
-        <p:txBody>
-          <a:bodyPr wrap="none" lIns="91440" tIns="45720" rIns="91440" bIns="45720">
-            <a:spAutoFit/>
-          </a:bodyPr>
-          <a:lstStyle/>
-          <a:p>
-            <a:pPr algn="ctr"/>
-            <a:r>
-              <a:rPr lang="en-US" sz="8800" b="1" cap="none" spc="0">
-                <a:ln w="9525">
-                  <a:solidFill>
-                    <a:schemeClr val="bg1"/>
-                  </a:solidFill>
-                  <a:prstDash val="solid"/>
-                </a:ln>
-                <a:solidFill>
-                  <a:schemeClr val="accent5"/>
-                </a:solidFill>
-                <a:effectLst>
-                  <a:outerShdw blurRad="12700" dist="38100" dir="2700000" algn="tl" rotWithShape="0">
-                    <a:schemeClr val="accent5">
-                      <a:lumMod val="60000"/>
-                      <a:lumOff val="40000"/>
-                    </a:schemeClr>
-                  </a:outerShdw>
-                </a:effectLst>
-                <a:latin typeface="Verdana" panose="020B0604030504040204" pitchFamily="34" charset="0"/>
-                <a:ea typeface="Verdana" panose="020B0604030504040204" pitchFamily="34" charset="0"/>
-              </a:rPr>
-              <a:t>Demo 2</a:t>
-            </a:r>
-            <a:endParaRPr lang="en-US" sz="8800" b="1" cap="none" spc="0" dirty="0">
-              <a:ln w="9525">
-                <a:solidFill>
-                  <a:schemeClr val="bg1"/>
-                </a:solidFill>
-                <a:prstDash val="solid"/>
-              </a:ln>
-              <a:solidFill>
-                <a:schemeClr val="accent5"/>
-              </a:solidFill>
-              <a:effectLst>
-                <a:outerShdw blurRad="12700" dist="38100" dir="2700000" algn="tl" rotWithShape="0">
-                  <a:schemeClr val="accent5">
-                    <a:lumMod val="60000"/>
-                    <a:lumOff val="40000"/>
-                  </a:schemeClr>
-                </a:outerShdw>
-              </a:effectLst>
-              <a:latin typeface="Verdana" panose="020B0604030504040204" pitchFamily="34" charset="0"/>
-              <a:ea typeface="Verdana" panose="020B0604030504040204" pitchFamily="34" charset="0"/>
-            </a:endParaRPr>
-          </a:p>
-          <a:p>
-            <a:pPr marL="1371600" indent="-1371600" algn="ctr">
-              <a:buAutoNum type="arabicPeriod"/>
-            </a:pPr>
-            <a:endParaRPr lang="en-US" sz="4000" b="1" cap="none" spc="0" dirty="0">
-              <a:ln w="9525">
-                <a:solidFill>
-                  <a:schemeClr val="bg1"/>
-                </a:solidFill>
-                <a:prstDash val="solid"/>
-              </a:ln>
-              <a:solidFill>
-                <a:schemeClr val="accent5"/>
-              </a:solidFill>
-              <a:effectLst>
-                <a:outerShdw blurRad="12700" dist="38100" dir="2700000" algn="tl" rotWithShape="0">
-                  <a:schemeClr val="accent5">
-                    <a:lumMod val="60000"/>
-                    <a:lumOff val="40000"/>
-                  </a:schemeClr>
-                </a:outerShdw>
-              </a:effectLst>
-              <a:latin typeface="Verdana" panose="020B0604030504040204" pitchFamily="34" charset="0"/>
-              <a:ea typeface="Verdana" panose="020B0604030504040204" pitchFamily="34" charset="0"/>
-            </a:endParaRPr>
-          </a:p>
-          <a:p>
-            <a:pPr algn="ctr">
-              <a:lnSpc>
-                <a:spcPct val="150000"/>
-              </a:lnSpc>
-            </a:pPr>
-            <a:r>
-              <a:rPr lang="en-US" sz="4800" b="1" dirty="0">
-                <a:ln w="9525">
-                  <a:solidFill>
-                    <a:schemeClr val="bg1"/>
-                  </a:solidFill>
-                  <a:prstDash val="solid"/>
-                </a:ln>
-                <a:solidFill>
-                  <a:schemeClr val="accent5"/>
-                </a:solidFill>
-                <a:effectLst>
-                  <a:outerShdw blurRad="12700" dist="38100" dir="2700000" algn="tl" rotWithShape="0">
-                    <a:schemeClr val="accent5">
-                      <a:lumMod val="60000"/>
-                      <a:lumOff val="40000"/>
-                    </a:schemeClr>
-                  </a:outerShdw>
-                </a:effectLst>
-                <a:latin typeface="Verdana" panose="020B0604030504040204" pitchFamily="34" charset="0"/>
-                <a:ea typeface="Verdana" panose="020B0604030504040204" pitchFamily="34" charset="0"/>
-              </a:rPr>
-              <a:t>Adding to existing </a:t>
-            </a:r>
-            <a:r>
-              <a:rPr lang="en-US" sz="4800" b="1" dirty="0" err="1">
-                <a:ln w="9525">
-                  <a:solidFill>
-                    <a:schemeClr val="bg1"/>
-                  </a:solidFill>
-                  <a:prstDash val="solid"/>
-                </a:ln>
-                <a:solidFill>
-                  <a:schemeClr val="accent5"/>
-                </a:solidFill>
-                <a:effectLst>
-                  <a:outerShdw blurRad="12700" dist="38100" dir="2700000" algn="tl" rotWithShape="0">
-                    <a:schemeClr val="accent5">
-                      <a:lumMod val="60000"/>
-                      <a:lumOff val="40000"/>
-                    </a:schemeClr>
-                  </a:outerShdw>
-                </a:effectLst>
-                <a:latin typeface="Verdana" panose="020B0604030504040204" pitchFamily="34" charset="0"/>
-                <a:ea typeface="Verdana" panose="020B0604030504040204" pitchFamily="34" charset="0"/>
-              </a:rPr>
-              <a:t>APS.Net</a:t>
-            </a:r>
-            <a:r>
-              <a:rPr lang="en-US" sz="4800" b="1" dirty="0">
-                <a:ln w="9525">
-                  <a:solidFill>
-                    <a:schemeClr val="bg1"/>
-                  </a:solidFill>
-                  <a:prstDash val="solid"/>
-                </a:ln>
-                <a:solidFill>
-                  <a:schemeClr val="accent5"/>
-                </a:solidFill>
-                <a:effectLst>
-                  <a:outerShdw blurRad="12700" dist="38100" dir="2700000" algn="tl" rotWithShape="0">
-                    <a:schemeClr val="accent5">
-                      <a:lumMod val="60000"/>
-                      <a:lumOff val="40000"/>
-                    </a:schemeClr>
-                  </a:outerShdw>
-                </a:effectLst>
-                <a:latin typeface="Verdana" panose="020B0604030504040204" pitchFamily="34" charset="0"/>
-                <a:ea typeface="Verdana" panose="020B0604030504040204" pitchFamily="34" charset="0"/>
-              </a:rPr>
-              <a:t> Core</a:t>
-            </a:r>
-            <a:endParaRPr lang="en-US" sz="4000" b="1" cap="none" spc="0" dirty="0">
-              <a:ln w="9525">
-                <a:solidFill>
-                  <a:schemeClr val="bg1"/>
-                </a:solidFill>
-                <a:prstDash val="solid"/>
-              </a:ln>
-              <a:solidFill>
-                <a:schemeClr val="accent5"/>
-              </a:solidFill>
-              <a:effectLst>
-                <a:outerShdw blurRad="12700" dist="38100" dir="2700000" algn="tl" rotWithShape="0">
-                  <a:schemeClr val="accent5">
-                    <a:lumMod val="60000"/>
-                    <a:lumOff val="40000"/>
-                  </a:schemeClr>
-                </a:outerShdw>
-              </a:effectLst>
-              <a:latin typeface="Verdana" panose="020B0604030504040204" pitchFamily="34" charset="0"/>
-              <a:ea typeface="Verdana" panose="020B0604030504040204" pitchFamily="34" charset="0"/>
-            </a:endParaRPr>
-          </a:p>
-        </p:txBody>
-      </p:sp>
     </p:spTree>
     <p:extLst>
       <p:ext uri="{BB962C8B-B14F-4D97-AF65-F5344CB8AC3E}">
-        <p14:creationId xmlns:p14="http://schemas.microsoft.com/office/powerpoint/2010/main" val="1391075928"/>
+        <p14:creationId xmlns:p14="http://schemas.microsoft.com/office/powerpoint/2010/main" val="2966724908"/>
       </p:ext>
     </p:extLst>
   </p:cSld>
@@ -10404,13 +10481,6 @@
           <a:lstStyle/>
           <a:p>
             <a:pPr algn="ctr"/>
-            <a:r>
-              <a:rPr lang="en-US" b="1" dirty="0">
-                <a:latin typeface="Verdana" panose="020B0604030504040204" pitchFamily="34" charset="0"/>
-                <a:ea typeface="Verdana" panose="020B0604030504040204" pitchFamily="34" charset="0"/>
-              </a:rPr>
-              <a:t>Types of RPCs supported by gRPC</a:t>
-            </a:r>
             <a:endParaRPr lang="en-IN" b="1" dirty="0">
               <a:latin typeface="Verdana" panose="020B0604030504040204" pitchFamily="34" charset="0"/>
               <a:ea typeface="Verdana" panose="020B0604030504040204" pitchFamily="34" charset="0"/>
@@ -10557,144 +10627,6 @@
       </p:sp>
       <p:sp>
         <p:nvSpPr>
-          <p:cNvPr id="10" name="TextBox 9">
-            <a:extLst>
-              <a:ext uri="{FF2B5EF4-FFF2-40B4-BE49-F238E27FC236}">
-                <a16:creationId xmlns:a16="http://schemas.microsoft.com/office/drawing/2014/main" id="{01677BED-4C67-48F6-8772-07696F9A1F04}"/>
-              </a:ext>
-            </a:extLst>
-          </p:cNvPr>
-          <p:cNvSpPr txBox="1"/>
-          <p:nvPr/>
-        </p:nvSpPr>
-        <p:spPr>
-          <a:xfrm>
-            <a:off x="80629" y="602214"/>
-            <a:ext cx="12037390" cy="2247923"/>
-          </a:xfrm>
-          <a:prstGeom prst="rect">
-            <a:avLst/>
-          </a:prstGeom>
-          <a:noFill/>
-        </p:spPr>
-        <p:txBody>
-          <a:bodyPr wrap="square" rtlCol="0">
-            <a:spAutoFit/>
-          </a:bodyPr>
-          <a:lstStyle/>
-          <a:p>
-            <a:pPr>
-              <a:lnSpc>
-                <a:spcPct val="200000"/>
-              </a:lnSpc>
-            </a:pPr>
-            <a:r>
-              <a:rPr lang="en-US" sz="1200" dirty="0">
-                <a:solidFill>
-                  <a:srgbClr val="002060"/>
-                </a:solidFill>
-                <a:latin typeface="Verdana" panose="020B0604030504040204" pitchFamily="34" charset="0"/>
-                <a:ea typeface="Verdana" panose="020B0604030504040204" pitchFamily="34" charset="0"/>
-              </a:rPr>
-              <a:t>Currently gRPC comes with four different types of RPC</a:t>
-            </a:r>
-          </a:p>
-          <a:p>
-            <a:pPr marL="171450" indent="-171450">
-              <a:lnSpc>
-                <a:spcPct val="200000"/>
-              </a:lnSpc>
-              <a:buFont typeface="Wingdings" panose="05000000000000000000" pitchFamily="2" charset="2"/>
-              <a:buChar char="Ø"/>
-            </a:pPr>
-            <a:r>
-              <a:rPr lang="en-US" sz="1200" dirty="0">
-                <a:solidFill>
-                  <a:srgbClr val="002060"/>
-                </a:solidFill>
-                <a:latin typeface="Verdana" panose="020B0604030504040204" pitchFamily="34" charset="0"/>
-                <a:ea typeface="Verdana" panose="020B0604030504040204" pitchFamily="34" charset="0"/>
-              </a:rPr>
-              <a:t>	Unary RPC: this is the simplest form of RPC. In this case, the client sends a request message to the server and receives a response.</a:t>
-            </a:r>
-          </a:p>
-          <a:p>
-            <a:pPr marL="171450" indent="-171450">
-              <a:lnSpc>
-                <a:spcPct val="200000"/>
-              </a:lnSpc>
-              <a:buFont typeface="Wingdings" panose="05000000000000000000" pitchFamily="2" charset="2"/>
-              <a:buChar char="Ø"/>
-            </a:pPr>
-            <a:r>
-              <a:rPr lang="en-US" sz="1200" dirty="0">
-                <a:solidFill>
-                  <a:srgbClr val="002060"/>
-                </a:solidFill>
-                <a:latin typeface="Verdana" panose="020B0604030504040204" pitchFamily="34" charset="0"/>
-                <a:ea typeface="Verdana" panose="020B0604030504040204" pitchFamily="34" charset="0"/>
-              </a:rPr>
-              <a:t>	Server streaming RPC: in this scenario, the client sends a request message to the server and receives a sequence of responses.</a:t>
-            </a:r>
-          </a:p>
-          <a:p>
-            <a:pPr marL="171450" indent="-171450">
-              <a:lnSpc>
-                <a:spcPct val="200000"/>
-              </a:lnSpc>
-              <a:buFont typeface="Wingdings" panose="05000000000000000000" pitchFamily="2" charset="2"/>
-              <a:buChar char="Ø"/>
-            </a:pPr>
-            <a:r>
-              <a:rPr lang="en-US" sz="1200" dirty="0">
-                <a:solidFill>
-                  <a:srgbClr val="002060"/>
-                </a:solidFill>
-                <a:latin typeface="Verdana" panose="020B0604030504040204" pitchFamily="34" charset="0"/>
-                <a:ea typeface="Verdana" panose="020B0604030504040204" pitchFamily="34" charset="0"/>
-              </a:rPr>
-              <a:t>	Client streaming RPC: this is the case where the client sends a sequence of messages and receives a single response from the server.</a:t>
-            </a:r>
-          </a:p>
-          <a:p>
-            <a:pPr marL="171450" indent="-171450">
-              <a:lnSpc>
-                <a:spcPct val="200000"/>
-              </a:lnSpc>
-              <a:buFont typeface="Wingdings" panose="05000000000000000000" pitchFamily="2" charset="2"/>
-              <a:buChar char="Ø"/>
-            </a:pPr>
-            <a:r>
-              <a:rPr lang="en-US" sz="1200" dirty="0">
-                <a:solidFill>
-                  <a:srgbClr val="002060"/>
-                </a:solidFill>
-                <a:latin typeface="Verdana" panose="020B0604030504040204" pitchFamily="34" charset="0"/>
-                <a:ea typeface="Verdana" panose="020B0604030504040204" pitchFamily="34" charset="0"/>
-              </a:rPr>
-              <a:t>	Bidirectional streaming RPC: in this case, the client and the server exchange messages in both directions.</a:t>
-            </a:r>
-          </a:p>
-          <a:p>
-            <a:pPr marL="171450" indent="-171450">
-              <a:lnSpc>
-                <a:spcPct val="200000"/>
-              </a:lnSpc>
-              <a:buFont typeface="Wingdings" panose="05000000000000000000" pitchFamily="2" charset="2"/>
-              <a:buChar char="Ø"/>
-            </a:pPr>
-            <a:endParaRPr lang="en-US" sz="1200" dirty="0">
-              <a:solidFill>
-                <a:srgbClr val="002060"/>
-              </a:solidFill>
-              <a:latin typeface="Verdana" panose="020B0604030504040204" pitchFamily="34" charset="0"/>
-              <a:ea typeface="Verdana" panose="020B0604030504040204" pitchFamily="34" charset="0"/>
-            </a:endParaRPr>
-          </a:p>
-        </p:txBody>
-      </p:sp>
-      <p:sp>
-        <p:nvSpPr>
           <p:cNvPr id="12" name="Footer Placeholder 7">
             <a:extLst>
               <a:ext uri="{FF2B5EF4-FFF2-40B4-BE49-F238E27FC236}">
@@ -10834,7 +10766,7 @@
           <p:cNvPr id="11" name="Rectangle 10">
             <a:extLst>
               <a:ext uri="{FF2B5EF4-FFF2-40B4-BE49-F238E27FC236}">
-                <a16:creationId xmlns:a16="http://schemas.microsoft.com/office/drawing/2014/main" id="{28F7F247-E3BB-4E54-9632-943D4452E0B3}"/>
+                <a16:creationId xmlns:a16="http://schemas.microsoft.com/office/drawing/2014/main" id="{F60D9B38-5067-4841-9B4A-CE7786A2CB4A}"/>
               </a:ext>
             </a:extLst>
           </p:cNvPr>
@@ -10843,8 +10775,8 @@
         </p:nvSpPr>
         <p:spPr>
           <a:xfrm>
-            <a:off x="667158" y="3322432"/>
-            <a:ext cx="10822193" cy="2737865"/>
+            <a:off x="2206043" y="588106"/>
+            <a:ext cx="7744428" cy="4128694"/>
           </a:xfrm>
           <a:prstGeom prst="rect">
             <a:avLst/>
@@ -10857,14 +10789,9 @@
           </a:bodyPr>
           <a:lstStyle/>
           <a:p>
-            <a:pPr marL="1371600" indent="-1371600">
-              <a:lnSpc>
-                <a:spcPct val="150000"/>
-              </a:lnSpc>
-              <a:buAutoNum type="arabicPeriod"/>
-            </a:pPr>
-            <a:r>
-              <a:rPr lang="en-US" sz="4000" b="1" cap="none" spc="0" dirty="0">
+            <a:pPr algn="ctr"/>
+            <a:r>
+              <a:rPr lang="en-US" sz="8800" b="1" cap="none" spc="0" dirty="0">
                 <a:ln w="9525">
                   <a:solidFill>
                     <a:schemeClr val="bg1"/>
@@ -10885,18 +10812,43 @@
                 <a:latin typeface="Verdana" panose="020B0604030504040204" pitchFamily="34" charset="0"/>
                 <a:ea typeface="Verdana" panose="020B0604030504040204" pitchFamily="34" charset="0"/>
               </a:rPr>
-              <a:t>Simple gRPC Service</a:t>
-            </a:r>
-          </a:p>
-          <a:p>
-            <a:pPr marL="1371600" indent="-1371600">
+              <a:t>Demo 2</a:t>
+            </a:r>
+          </a:p>
+          <a:p>
+            <a:pPr marL="1371600" indent="-1371600" algn="ctr">
+              <a:buAutoNum type="arabicPeriod"/>
+            </a:pPr>
+            <a:endParaRPr lang="en-US" sz="4000" b="1" cap="none" spc="0" dirty="0">
+              <a:ln w="9525">
+                <a:solidFill>
+                  <a:schemeClr val="bg1"/>
+                </a:solidFill>
+                <a:prstDash val="solid"/>
+              </a:ln>
+              <a:solidFill>
+                <a:schemeClr val="accent5"/>
+              </a:solidFill>
+              <a:effectLst>
+                <a:outerShdw blurRad="12700" dist="38100" dir="2700000" algn="tl" rotWithShape="0">
+                  <a:schemeClr val="accent5">
+                    <a:lumMod val="60000"/>
+                    <a:lumOff val="40000"/>
+                  </a:schemeClr>
+                </a:outerShdw>
+              </a:effectLst>
+              <a:latin typeface="Verdana" panose="020B0604030504040204" pitchFamily="34" charset="0"/>
+              <a:ea typeface="Verdana" panose="020B0604030504040204" pitchFamily="34" charset="0"/>
+            </a:endParaRPr>
+          </a:p>
+          <a:p>
+            <a:pPr algn="ctr">
               <a:lnSpc>
                 <a:spcPct val="150000"/>
               </a:lnSpc>
-              <a:buAutoNum type="arabicPeriod"/>
             </a:pPr>
             <a:r>
-              <a:rPr lang="en-US" sz="4000" b="1" dirty="0">
+              <a:rPr lang="en-US" sz="4800" b="1" dirty="0">
                 <a:ln w="9525">
                   <a:solidFill>
                     <a:schemeClr val="bg1"/>
@@ -10917,18 +10869,17 @@
                 <a:latin typeface="Verdana" panose="020B0604030504040204" pitchFamily="34" charset="0"/>
                 <a:ea typeface="Verdana" panose="020B0604030504040204" pitchFamily="34" charset="0"/>
               </a:rPr>
-              <a:t>gRPC with ASP.Net and EF Core </a:t>
-            </a:r>
-          </a:p>
-          <a:p>
-            <a:pPr marL="1371600" indent="-1371600">
+              <a:t>Adding gRPC to </a:t>
+            </a:r>
+          </a:p>
+          <a:p>
+            <a:pPr algn="ctr">
               <a:lnSpc>
                 <a:spcPct val="150000"/>
               </a:lnSpc>
-              <a:buAutoNum type="arabicPeriod"/>
             </a:pPr>
             <a:r>
-              <a:rPr lang="en-US" sz="4000" b="1" cap="none" spc="0" dirty="0">
+              <a:rPr lang="en-US" sz="4800" b="1" dirty="0">
                 <a:ln w="9525">
                   <a:solidFill>
                     <a:schemeClr val="bg1"/>
@@ -10949,10 +10900,10 @@
                 <a:latin typeface="Verdana" panose="020B0604030504040204" pitchFamily="34" charset="0"/>
                 <a:ea typeface="Verdana" panose="020B0604030504040204" pitchFamily="34" charset="0"/>
               </a:rPr>
-              <a:t>Adding to existing </a:t>
-            </a:r>
-            <a:r>
-              <a:rPr lang="en-US" sz="4000" b="1" cap="none" spc="0" dirty="0" err="1">
+              <a:t>existing </a:t>
+            </a:r>
+            <a:r>
+              <a:rPr lang="en-US" sz="4800" b="1" dirty="0" err="1">
                 <a:ln w="9525">
                   <a:solidFill>
                     <a:schemeClr val="bg1"/>
@@ -10976,7 +10927,7 @@
               <a:t>APS.Net</a:t>
             </a:r>
             <a:r>
-              <a:rPr lang="en-US" sz="4000" b="1" cap="none" spc="0" dirty="0">
+              <a:rPr lang="en-US" sz="4800" b="1" dirty="0">
                 <a:ln w="9525">
                   <a:solidFill>
                     <a:schemeClr val="bg1"/>
@@ -10999,13 +10950,34 @@
               </a:rPr>
               <a:t> Core</a:t>
             </a:r>
+            <a:endParaRPr lang="en-US" sz="4000" b="1" cap="none" spc="0" dirty="0">
+              <a:ln w="9525">
+                <a:solidFill>
+                  <a:schemeClr val="bg1"/>
+                </a:solidFill>
+                <a:prstDash val="solid"/>
+              </a:ln>
+              <a:solidFill>
+                <a:schemeClr val="accent5"/>
+              </a:solidFill>
+              <a:effectLst>
+                <a:outerShdw blurRad="12700" dist="38100" dir="2700000" algn="tl" rotWithShape="0">
+                  <a:schemeClr val="accent5">
+                    <a:lumMod val="60000"/>
+                    <a:lumOff val="40000"/>
+                  </a:schemeClr>
+                </a:outerShdw>
+              </a:effectLst>
+              <a:latin typeface="Verdana" panose="020B0604030504040204" pitchFamily="34" charset="0"/>
+              <a:ea typeface="Verdana" panose="020B0604030504040204" pitchFamily="34" charset="0"/>
+            </a:endParaRPr>
           </a:p>
         </p:txBody>
       </p:sp>
     </p:spTree>
     <p:extLst>
       <p:ext uri="{BB962C8B-B14F-4D97-AF65-F5344CB8AC3E}">
-        <p14:creationId xmlns:p14="http://schemas.microsoft.com/office/powerpoint/2010/main" val="2966724908"/>
+        <p14:creationId xmlns:p14="http://schemas.microsoft.com/office/powerpoint/2010/main" val="1391075928"/>
       </p:ext>
     </p:extLst>
   </p:cSld>

--- a/GRpcDemos/04Apr2020/Documentation/MicroService_gRPC_Way.pptx
+++ b/GRpcDemos/04Apr2020/Documentation/MicroService_gRPC_Way.pptx
@@ -10101,7 +10101,27 @@
                 <a:latin typeface="Verdana" panose="020B0604030504040204" pitchFamily="34" charset="0"/>
                 <a:ea typeface="Verdana" panose="020B0604030504040204" pitchFamily="34" charset="0"/>
               </a:rPr>
-              <a:t>Create the .proto file inside the Protos folder.</a:t>
+              <a:t>Create the .proto file inside the </a:t>
+            </a:r>
+            <a:r>
+              <a:rPr lang="en-US" sz="1200" b="1" dirty="0">
+                <a:solidFill>
+                  <a:srgbClr val="002060"/>
+                </a:solidFill>
+                <a:latin typeface="Verdana" panose="020B0604030504040204" pitchFamily="34" charset="0"/>
+                <a:ea typeface="Verdana" panose="020B0604030504040204" pitchFamily="34" charset="0"/>
+              </a:rPr>
+              <a:t>Protos</a:t>
+            </a:r>
+            <a:r>
+              <a:rPr lang="en-US" sz="1200" dirty="0">
+                <a:solidFill>
+                  <a:srgbClr val="002060"/>
+                </a:solidFill>
+                <a:latin typeface="Verdana" panose="020B0604030504040204" pitchFamily="34" charset="0"/>
+                <a:ea typeface="Verdana" panose="020B0604030504040204" pitchFamily="34" charset="0"/>
+              </a:rPr>
+              <a:t> folder.</a:t>
             </a:r>
           </a:p>
           <a:p>
